--- a/University_of_Waterloo/Fall_2021/MATH135/UW_Fall2021_MATH135_Lecture1.pptx
+++ b/University_of_Waterloo/Fall_2021/MATH135/UW_Fall2021_MATH135_Lecture1.pptx
@@ -4,6 +4,9 @@
   <p:sldMasterIdLst>
     <p:sldMasterId id="2147483648" r:id="rId1"/>
   </p:sldMasterIdLst>
+  <p:notesMasterIdLst>
+    <p:notesMasterId r:id="rId8"/>
+  </p:notesMasterIdLst>
   <p:sldIdLst>
     <p:sldId id="256" r:id="rId2"/>
     <p:sldId id="257" r:id="rId3"/>
@@ -117,6 +120,355 @@
 </p:presentation>
 </file>
 
+<file path=ppt/notesMasters/notesMaster1.xml><?xml version="1.0" encoding="utf-8"?>
+<p:notesMaster xmlns:a="http://schemas.openxmlformats.org/drawingml/2006/main" xmlns:r="http://schemas.openxmlformats.org/officeDocument/2006/relationships" xmlns:p="http://schemas.openxmlformats.org/presentationml/2006/main">
+  <p:cSld>
+    <p:bg>
+      <p:bgRef idx="1001">
+        <a:schemeClr val="bg1"/>
+      </p:bgRef>
+    </p:bg>
+    <p:spTree>
+      <p:nvGrpSpPr>
+        <p:cNvPr id="1" name=""/>
+        <p:cNvGrpSpPr/>
+        <p:nvPr/>
+      </p:nvGrpSpPr>
+      <p:grpSpPr>
+        <a:xfrm>
+          <a:off x="0" y="0"/>
+          <a:ext cx="0" cy="0"/>
+          <a:chOff x="0" y="0"/>
+          <a:chExt cx="0" cy="0"/>
+        </a:xfrm>
+      </p:grpSpPr>
+      <p:sp>
+        <p:nvSpPr>
+          <p:cNvPr id="2" name="Header Placeholder 1"/>
+          <p:cNvSpPr>
+            <a:spLocks noGrp="1"/>
+          </p:cNvSpPr>
+          <p:nvPr>
+            <p:ph type="hdr" sz="quarter"/>
+          </p:nvPr>
+        </p:nvSpPr>
+        <p:spPr>
+          <a:xfrm>
+            <a:off x="0" y="0"/>
+            <a:ext cx="2971800" cy="458788"/>
+          </a:xfrm>
+          <a:prstGeom prst="rect">
+            <a:avLst/>
+          </a:prstGeom>
+        </p:spPr>
+        <p:txBody>
+          <a:bodyPr vert="horz" lIns="91440" tIns="45720" rIns="91440" bIns="45720" rtlCol="0"/>
+          <a:lstStyle>
+            <a:lvl1pPr algn="l">
+              <a:defRPr sz="1200"/>
+            </a:lvl1pPr>
+          </a:lstStyle>
+          <a:p>
+            <a:endParaRPr lang="en-US"/>
+          </a:p>
+        </p:txBody>
+      </p:sp>
+      <p:sp>
+        <p:nvSpPr>
+          <p:cNvPr id="3" name="Date Placeholder 2"/>
+          <p:cNvSpPr>
+            <a:spLocks noGrp="1"/>
+          </p:cNvSpPr>
+          <p:nvPr>
+            <p:ph type="dt" idx="1"/>
+          </p:nvPr>
+        </p:nvSpPr>
+        <p:spPr>
+          <a:xfrm>
+            <a:off x="3884613" y="0"/>
+            <a:ext cx="2971800" cy="458788"/>
+          </a:xfrm>
+          <a:prstGeom prst="rect">
+            <a:avLst/>
+          </a:prstGeom>
+        </p:spPr>
+        <p:txBody>
+          <a:bodyPr vert="horz" lIns="91440" tIns="45720" rIns="91440" bIns="45720" rtlCol="0"/>
+          <a:lstStyle>
+            <a:lvl1pPr algn="r">
+              <a:defRPr sz="1200"/>
+            </a:lvl1pPr>
+          </a:lstStyle>
+          <a:p>
+            <a:fld id="{CD82B0DF-1BE1-4D53-B05E-E714356A2D2F}" type="datetimeFigureOut">
+              <a:rPr lang="en-US" smtClean="0"/>
+              <a:t>9/15/2021</a:t>
+            </a:fld>
+            <a:endParaRPr lang="en-US"/>
+          </a:p>
+        </p:txBody>
+      </p:sp>
+      <p:sp>
+        <p:nvSpPr>
+          <p:cNvPr id="4" name="Slide Image Placeholder 3"/>
+          <p:cNvSpPr>
+            <a:spLocks noGrp="1" noRot="1" noChangeAspect="1"/>
+          </p:cNvSpPr>
+          <p:nvPr>
+            <p:ph type="sldImg" idx="2"/>
+          </p:nvPr>
+        </p:nvSpPr>
+        <p:spPr>
+          <a:xfrm>
+            <a:off x="685800" y="1143000"/>
+            <a:ext cx="5486400" cy="3086100"/>
+          </a:xfrm>
+          <a:prstGeom prst="rect">
+            <a:avLst/>
+          </a:prstGeom>
+          <a:noFill/>
+          <a:ln w="12700">
+            <a:solidFill>
+              <a:prstClr val="black"/>
+            </a:solidFill>
+          </a:ln>
+        </p:spPr>
+        <p:txBody>
+          <a:bodyPr vert="horz" lIns="91440" tIns="45720" rIns="91440" bIns="45720" rtlCol="0" anchor="ctr"/>
+          <a:lstStyle/>
+          <a:p>
+            <a:endParaRPr lang="en-US"/>
+          </a:p>
+        </p:txBody>
+      </p:sp>
+      <p:sp>
+        <p:nvSpPr>
+          <p:cNvPr id="5" name="Notes Placeholder 4"/>
+          <p:cNvSpPr>
+            <a:spLocks noGrp="1"/>
+          </p:cNvSpPr>
+          <p:nvPr>
+            <p:ph type="body" sz="quarter" idx="3"/>
+          </p:nvPr>
+        </p:nvSpPr>
+        <p:spPr>
+          <a:xfrm>
+            <a:off x="685800" y="4400550"/>
+            <a:ext cx="5486400" cy="3600450"/>
+          </a:xfrm>
+          <a:prstGeom prst="rect">
+            <a:avLst/>
+          </a:prstGeom>
+        </p:spPr>
+        <p:txBody>
+          <a:bodyPr vert="horz" lIns="91440" tIns="45720" rIns="91440" bIns="45720" rtlCol="0"/>
+          <a:lstStyle/>
+          <a:p>
+            <a:pPr lvl="0"/>
+            <a:r>
+              <a:rPr lang="en-US"/>
+              <a:t>Edit Master text styles</a:t>
+            </a:r>
+          </a:p>
+          <a:p>
+            <a:pPr lvl="1"/>
+            <a:r>
+              <a:rPr lang="en-US"/>
+              <a:t>Second level</a:t>
+            </a:r>
+          </a:p>
+          <a:p>
+            <a:pPr lvl="2"/>
+            <a:r>
+              <a:rPr lang="en-US"/>
+              <a:t>Third level</a:t>
+            </a:r>
+          </a:p>
+          <a:p>
+            <a:pPr lvl="3"/>
+            <a:r>
+              <a:rPr lang="en-US"/>
+              <a:t>Fourth level</a:t>
+            </a:r>
+          </a:p>
+          <a:p>
+            <a:pPr lvl="4"/>
+            <a:r>
+              <a:rPr lang="en-US"/>
+              <a:t>Fifth level</a:t>
+            </a:r>
+          </a:p>
+        </p:txBody>
+      </p:sp>
+      <p:sp>
+        <p:nvSpPr>
+          <p:cNvPr id="6" name="Footer Placeholder 5"/>
+          <p:cNvSpPr>
+            <a:spLocks noGrp="1"/>
+          </p:cNvSpPr>
+          <p:nvPr>
+            <p:ph type="ftr" sz="quarter" idx="4"/>
+          </p:nvPr>
+        </p:nvSpPr>
+        <p:spPr>
+          <a:xfrm>
+            <a:off x="0" y="8685213"/>
+            <a:ext cx="2971800" cy="458787"/>
+          </a:xfrm>
+          <a:prstGeom prst="rect">
+            <a:avLst/>
+          </a:prstGeom>
+        </p:spPr>
+        <p:txBody>
+          <a:bodyPr vert="horz" lIns="91440" tIns="45720" rIns="91440" bIns="45720" rtlCol="0" anchor="b"/>
+          <a:lstStyle>
+            <a:lvl1pPr algn="l">
+              <a:defRPr sz="1200"/>
+            </a:lvl1pPr>
+          </a:lstStyle>
+          <a:p>
+            <a:endParaRPr lang="en-US"/>
+          </a:p>
+        </p:txBody>
+      </p:sp>
+      <p:sp>
+        <p:nvSpPr>
+          <p:cNvPr id="7" name="Slide Number Placeholder 6"/>
+          <p:cNvSpPr>
+            <a:spLocks noGrp="1"/>
+          </p:cNvSpPr>
+          <p:nvPr>
+            <p:ph type="sldNum" sz="quarter" idx="5"/>
+          </p:nvPr>
+        </p:nvSpPr>
+        <p:spPr>
+          <a:xfrm>
+            <a:off x="3884613" y="8685213"/>
+            <a:ext cx="2971800" cy="458787"/>
+          </a:xfrm>
+          <a:prstGeom prst="rect">
+            <a:avLst/>
+          </a:prstGeom>
+        </p:spPr>
+        <p:txBody>
+          <a:bodyPr vert="horz" lIns="91440" tIns="45720" rIns="91440" bIns="45720" rtlCol="0" anchor="b"/>
+          <a:lstStyle>
+            <a:lvl1pPr algn="r">
+              <a:defRPr sz="1200"/>
+            </a:lvl1pPr>
+          </a:lstStyle>
+          <a:p>
+            <a:fld id="{57E174A6-977C-4B79-9BF2-C2FAD3B2795A}" type="slidenum">
+              <a:rPr lang="en-US" smtClean="0"/>
+              <a:t>‹#›</a:t>
+            </a:fld>
+            <a:endParaRPr lang="en-US"/>
+          </a:p>
+        </p:txBody>
+      </p:sp>
+    </p:spTree>
+    <p:extLst>
+      <p:ext uri="{BB962C8B-B14F-4D97-AF65-F5344CB8AC3E}">
+        <p14:creationId xmlns:p14="http://schemas.microsoft.com/office/powerpoint/2010/main" val="1356525812"/>
+      </p:ext>
+    </p:extLst>
+  </p:cSld>
+  <p:clrMap bg1="lt1" tx1="dk1" bg2="lt2" tx2="dk2" accent1="accent1" accent2="accent2" accent3="accent3" accent4="accent4" accent5="accent5" accent6="accent6" hlink="hlink" folHlink="folHlink"/>
+  <p:notesStyle>
+    <a:lvl1pPr marL="0" algn="l" defTabSz="914400" rtl="0" eaLnBrk="1" latinLnBrk="0" hangingPunct="1">
+      <a:defRPr sz="1200" kern="1200">
+        <a:solidFill>
+          <a:schemeClr val="tx1"/>
+        </a:solidFill>
+        <a:latin typeface="+mn-lt"/>
+        <a:ea typeface="+mn-ea"/>
+        <a:cs typeface="+mn-cs"/>
+      </a:defRPr>
+    </a:lvl1pPr>
+    <a:lvl2pPr marL="457200" algn="l" defTabSz="914400" rtl="0" eaLnBrk="1" latinLnBrk="0" hangingPunct="1">
+      <a:defRPr sz="1200" kern="1200">
+        <a:solidFill>
+          <a:schemeClr val="tx1"/>
+        </a:solidFill>
+        <a:latin typeface="+mn-lt"/>
+        <a:ea typeface="+mn-ea"/>
+        <a:cs typeface="+mn-cs"/>
+      </a:defRPr>
+    </a:lvl2pPr>
+    <a:lvl3pPr marL="914400" algn="l" defTabSz="914400" rtl="0" eaLnBrk="1" latinLnBrk="0" hangingPunct="1">
+      <a:defRPr sz="1200" kern="1200">
+        <a:solidFill>
+          <a:schemeClr val="tx1"/>
+        </a:solidFill>
+        <a:latin typeface="+mn-lt"/>
+        <a:ea typeface="+mn-ea"/>
+        <a:cs typeface="+mn-cs"/>
+      </a:defRPr>
+    </a:lvl3pPr>
+    <a:lvl4pPr marL="1371600" algn="l" defTabSz="914400" rtl="0" eaLnBrk="1" latinLnBrk="0" hangingPunct="1">
+      <a:defRPr sz="1200" kern="1200">
+        <a:solidFill>
+          <a:schemeClr val="tx1"/>
+        </a:solidFill>
+        <a:latin typeface="+mn-lt"/>
+        <a:ea typeface="+mn-ea"/>
+        <a:cs typeface="+mn-cs"/>
+      </a:defRPr>
+    </a:lvl4pPr>
+    <a:lvl5pPr marL="1828800" algn="l" defTabSz="914400" rtl="0" eaLnBrk="1" latinLnBrk="0" hangingPunct="1">
+      <a:defRPr sz="1200" kern="1200">
+        <a:solidFill>
+          <a:schemeClr val="tx1"/>
+        </a:solidFill>
+        <a:latin typeface="+mn-lt"/>
+        <a:ea typeface="+mn-ea"/>
+        <a:cs typeface="+mn-cs"/>
+      </a:defRPr>
+    </a:lvl5pPr>
+    <a:lvl6pPr marL="2286000" algn="l" defTabSz="914400" rtl="0" eaLnBrk="1" latinLnBrk="0" hangingPunct="1">
+      <a:defRPr sz="1200" kern="1200">
+        <a:solidFill>
+          <a:schemeClr val="tx1"/>
+        </a:solidFill>
+        <a:latin typeface="+mn-lt"/>
+        <a:ea typeface="+mn-ea"/>
+        <a:cs typeface="+mn-cs"/>
+      </a:defRPr>
+    </a:lvl6pPr>
+    <a:lvl7pPr marL="2743200" algn="l" defTabSz="914400" rtl="0" eaLnBrk="1" latinLnBrk="0" hangingPunct="1">
+      <a:defRPr sz="1200" kern="1200">
+        <a:solidFill>
+          <a:schemeClr val="tx1"/>
+        </a:solidFill>
+        <a:latin typeface="+mn-lt"/>
+        <a:ea typeface="+mn-ea"/>
+        <a:cs typeface="+mn-cs"/>
+      </a:defRPr>
+    </a:lvl7pPr>
+    <a:lvl8pPr marL="3200400" algn="l" defTabSz="914400" rtl="0" eaLnBrk="1" latinLnBrk="0" hangingPunct="1">
+      <a:defRPr sz="1200" kern="1200">
+        <a:solidFill>
+          <a:schemeClr val="tx1"/>
+        </a:solidFill>
+        <a:latin typeface="+mn-lt"/>
+        <a:ea typeface="+mn-ea"/>
+        <a:cs typeface="+mn-cs"/>
+      </a:defRPr>
+    </a:lvl8pPr>
+    <a:lvl9pPr marL="3657600" algn="l" defTabSz="914400" rtl="0" eaLnBrk="1" latinLnBrk="0" hangingPunct="1">
+      <a:defRPr sz="1200" kern="1200">
+        <a:solidFill>
+          <a:schemeClr val="tx1"/>
+        </a:solidFill>
+        <a:latin typeface="+mn-lt"/>
+        <a:ea typeface="+mn-ea"/>
+        <a:cs typeface="+mn-cs"/>
+      </a:defRPr>
+    </a:lvl9pPr>
+  </p:notesStyle>
+</p:notesMaster>
+</file>
+
 <file path=ppt/slideLayouts/slideLayout1.xml><?xml version="1.0" encoding="utf-8"?>
 <p:sldLayout xmlns:a="http://schemas.openxmlformats.org/drawingml/2006/main" xmlns:r="http://schemas.openxmlformats.org/officeDocument/2006/relationships" xmlns:p="http://schemas.openxmlformats.org/presentationml/2006/main" type="title" preserve="1">
   <p:cSld name="Title Slide">
@@ -262,9 +614,9 @@
           <a:bodyPr/>
           <a:lstStyle/>
           <a:p>
-            <a:fld id="{6290209C-503C-4F42-9D62-38FCC3384F43}" type="datetimeFigureOut">
+            <a:fld id="{4ED0D2E8-6E79-4A87-9C59-2B9DF87A751F}" type="datetime1">
               <a:rPr lang="en-US" smtClean="0"/>
-              <a:t>9/8/2021</a:t>
+              <a:t>9/15/2021</a:t>
             </a:fld>
             <a:endParaRPr lang="en-US"/>
           </a:p>
@@ -291,7 +643,11 @@
           <a:bodyPr/>
           <a:lstStyle/>
           <a:p>
-            <a:endParaRPr lang="en-US"/>
+            <a:r>
+              <a:rPr lang="sv-SE"/>
+              <a:t>Dr. Nike Dattani, MATH 135, Fall 2021</a:t>
+            </a:r>
+            <a:endParaRPr lang="en-US" dirty="0"/>
           </a:p>
         </p:txBody>
       </p:sp>
@@ -311,16 +667,27 @@
             <p:ph type="sldNum" sz="quarter" idx="12"/>
           </p:nvPr>
         </p:nvSpPr>
-        <p:spPr/>
+        <p:spPr>
+          <a:xfrm>
+            <a:off x="9448800" y="6620573"/>
+            <a:ext cx="2743200" cy="365125"/>
+          </a:xfrm>
+          <a:prstGeom prst="rect">
+            <a:avLst/>
+          </a:prstGeom>
+        </p:spPr>
         <p:txBody>
           <a:bodyPr/>
           <a:lstStyle/>
           <a:p>
-            <a:fld id="{F76B1B54-9536-4654-B658-6C9F83E3D8D2}" type="slidenum">
-              <a:rPr lang="en-US" smtClean="0"/>
-              <a:t>‹#›</a:t>
-            </a:fld>
-            <a:endParaRPr lang="en-US"/>
+            <a:r>
+              <a:rPr lang="sv-SE" dirty="0"/>
+              <a:t>Dr. Nike Dattani, MATH 135, Fall 2021</a:t>
+            </a:r>
+            <a:endParaRPr lang="en-US" dirty="0"/>
+          </a:p>
+          <a:p>
+            <a:endParaRPr lang="en-US" dirty="0"/>
           </a:p>
         </p:txBody>
       </p:sp>
@@ -460,9 +827,9 @@
           <a:bodyPr/>
           <a:lstStyle/>
           <a:p>
-            <a:fld id="{6290209C-503C-4F42-9D62-38FCC3384F43}" type="datetimeFigureOut">
+            <a:fld id="{9D130E02-97CB-4AB8-AC2E-6B15BDB0D114}" type="datetime1">
               <a:rPr lang="en-US" smtClean="0"/>
-              <a:t>9/8/2021</a:t>
+              <a:t>9/15/2021</a:t>
             </a:fld>
             <a:endParaRPr lang="en-US"/>
           </a:p>
@@ -489,6 +856,10 @@
           <a:bodyPr/>
           <a:lstStyle/>
           <a:p>
+            <a:r>
+              <a:rPr lang="sv-SE"/>
+              <a:t>Dr. Nike Dattani, MATH 135, Fall 2021</a:t>
+            </a:r>
             <a:endParaRPr lang="en-US"/>
           </a:p>
         </p:txBody>
@@ -509,7 +880,15 @@
             <p:ph type="sldNum" sz="quarter" idx="12"/>
           </p:nvPr>
         </p:nvSpPr>
-        <p:spPr/>
+        <p:spPr>
+          <a:xfrm>
+            <a:off x="8610600" y="6356350"/>
+            <a:ext cx="2743200" cy="365125"/>
+          </a:xfrm>
+          <a:prstGeom prst="rect">
+            <a:avLst/>
+          </a:prstGeom>
+        </p:spPr>
         <p:txBody>
           <a:bodyPr/>
           <a:lstStyle/>
@@ -668,9 +1047,9 @@
           <a:bodyPr/>
           <a:lstStyle/>
           <a:p>
-            <a:fld id="{6290209C-503C-4F42-9D62-38FCC3384F43}" type="datetimeFigureOut">
+            <a:fld id="{70F04FA1-7516-444C-98E6-8A35623D1C80}" type="datetime1">
               <a:rPr lang="en-US" smtClean="0"/>
-              <a:t>9/8/2021</a:t>
+              <a:t>9/15/2021</a:t>
             </a:fld>
             <a:endParaRPr lang="en-US"/>
           </a:p>
@@ -697,6 +1076,10 @@
           <a:bodyPr/>
           <a:lstStyle/>
           <a:p>
+            <a:r>
+              <a:rPr lang="sv-SE"/>
+              <a:t>Dr. Nike Dattani, MATH 135, Fall 2021</a:t>
+            </a:r>
             <a:endParaRPr lang="en-US"/>
           </a:p>
         </p:txBody>
@@ -717,7 +1100,15 @@
             <p:ph type="sldNum" sz="quarter" idx="12"/>
           </p:nvPr>
         </p:nvSpPr>
-        <p:spPr/>
+        <p:spPr>
+          <a:xfrm>
+            <a:off x="8610600" y="6356350"/>
+            <a:ext cx="2743200" cy="365125"/>
+          </a:xfrm>
+          <a:prstGeom prst="rect">
+            <a:avLst/>
+          </a:prstGeom>
+        </p:spPr>
         <p:txBody>
           <a:bodyPr/>
           <a:lstStyle/>
@@ -866,9 +1257,9 @@
           <a:bodyPr/>
           <a:lstStyle/>
           <a:p>
-            <a:fld id="{6290209C-503C-4F42-9D62-38FCC3384F43}" type="datetimeFigureOut">
+            <a:fld id="{9A193C14-4D7A-413C-8BAD-3AF223C226AC}" type="datetime1">
               <a:rPr lang="en-US" smtClean="0"/>
-              <a:t>9/8/2021</a:t>
+              <a:t>9/15/2021</a:t>
             </a:fld>
             <a:endParaRPr lang="en-US"/>
           </a:p>
@@ -895,6 +1286,10 @@
           <a:bodyPr/>
           <a:lstStyle/>
           <a:p>
+            <a:r>
+              <a:rPr lang="sv-SE"/>
+              <a:t>Dr. Nike Dattani, MATH 135, Fall 2021</a:t>
+            </a:r>
             <a:endParaRPr lang="en-US"/>
           </a:p>
         </p:txBody>
@@ -915,7 +1310,15 @@
             <p:ph type="sldNum" sz="quarter" idx="12"/>
           </p:nvPr>
         </p:nvSpPr>
-        <p:spPr/>
+        <p:spPr>
+          <a:xfrm>
+            <a:off x="8610600" y="6356350"/>
+            <a:ext cx="2743200" cy="365125"/>
+          </a:xfrm>
+          <a:prstGeom prst="rect">
+            <a:avLst/>
+          </a:prstGeom>
+        </p:spPr>
         <p:txBody>
           <a:bodyPr/>
           <a:lstStyle/>
@@ -1141,9 +1544,9 @@
           <a:bodyPr/>
           <a:lstStyle/>
           <a:p>
-            <a:fld id="{6290209C-503C-4F42-9D62-38FCC3384F43}" type="datetimeFigureOut">
+            <a:fld id="{8E068C4D-DB1C-4A1C-ADE8-F45125E4BFF3}" type="datetime1">
               <a:rPr lang="en-US" smtClean="0"/>
-              <a:t>9/8/2021</a:t>
+              <a:t>9/15/2021</a:t>
             </a:fld>
             <a:endParaRPr lang="en-US"/>
           </a:p>
@@ -1170,6 +1573,10 @@
           <a:bodyPr/>
           <a:lstStyle/>
           <a:p>
+            <a:r>
+              <a:rPr lang="sv-SE"/>
+              <a:t>Dr. Nike Dattani, MATH 135, Fall 2021</a:t>
+            </a:r>
             <a:endParaRPr lang="en-US"/>
           </a:p>
         </p:txBody>
@@ -1190,7 +1597,15 @@
             <p:ph type="sldNum" sz="quarter" idx="12"/>
           </p:nvPr>
         </p:nvSpPr>
-        <p:spPr/>
+        <p:spPr>
+          <a:xfrm>
+            <a:off x="8610600" y="6356350"/>
+            <a:ext cx="2743200" cy="365125"/>
+          </a:xfrm>
+          <a:prstGeom prst="rect">
+            <a:avLst/>
+          </a:prstGeom>
+        </p:spPr>
         <p:txBody>
           <a:bodyPr/>
           <a:lstStyle/>
@@ -1406,9 +1821,9 @@
           <a:bodyPr/>
           <a:lstStyle/>
           <a:p>
-            <a:fld id="{6290209C-503C-4F42-9D62-38FCC3384F43}" type="datetimeFigureOut">
+            <a:fld id="{96A9CF05-FC9C-4ABF-9473-3FB4E2BE9D76}" type="datetime1">
               <a:rPr lang="en-US" smtClean="0"/>
-              <a:t>9/8/2021</a:t>
+              <a:t>9/15/2021</a:t>
             </a:fld>
             <a:endParaRPr lang="en-US"/>
           </a:p>
@@ -1435,6 +1850,10 @@
           <a:bodyPr/>
           <a:lstStyle/>
           <a:p>
+            <a:r>
+              <a:rPr lang="sv-SE"/>
+              <a:t>Dr. Nike Dattani, MATH 135, Fall 2021</a:t>
+            </a:r>
             <a:endParaRPr lang="en-US"/>
           </a:p>
         </p:txBody>
@@ -1455,7 +1874,15 @@
             <p:ph type="sldNum" sz="quarter" idx="12"/>
           </p:nvPr>
         </p:nvSpPr>
-        <p:spPr/>
+        <p:spPr>
+          <a:xfrm>
+            <a:off x="8610600" y="6356350"/>
+            <a:ext cx="2743200" cy="365125"/>
+          </a:xfrm>
+          <a:prstGeom prst="rect">
+            <a:avLst/>
+          </a:prstGeom>
+        </p:spPr>
         <p:txBody>
           <a:bodyPr/>
           <a:lstStyle/>
@@ -1818,9 +2245,9 @@
           <a:bodyPr/>
           <a:lstStyle/>
           <a:p>
-            <a:fld id="{6290209C-503C-4F42-9D62-38FCC3384F43}" type="datetimeFigureOut">
+            <a:fld id="{0ACD63C3-4F41-4CFF-8A9F-9D62E41B150D}" type="datetime1">
               <a:rPr lang="en-US" smtClean="0"/>
-              <a:t>9/8/2021</a:t>
+              <a:t>9/15/2021</a:t>
             </a:fld>
             <a:endParaRPr lang="en-US"/>
           </a:p>
@@ -1847,6 +2274,10 @@
           <a:bodyPr/>
           <a:lstStyle/>
           <a:p>
+            <a:r>
+              <a:rPr lang="sv-SE"/>
+              <a:t>Dr. Nike Dattani, MATH 135, Fall 2021</a:t>
+            </a:r>
             <a:endParaRPr lang="en-US"/>
           </a:p>
         </p:txBody>
@@ -1867,7 +2298,15 @@
             <p:ph type="sldNum" sz="quarter" idx="12"/>
           </p:nvPr>
         </p:nvSpPr>
-        <p:spPr/>
+        <p:spPr>
+          <a:xfrm>
+            <a:off x="8610600" y="6356350"/>
+            <a:ext cx="2743200" cy="365125"/>
+          </a:xfrm>
+          <a:prstGeom prst="rect">
+            <a:avLst/>
+          </a:prstGeom>
+        </p:spPr>
         <p:txBody>
           <a:bodyPr/>
           <a:lstStyle/>
@@ -1959,9 +2398,9 @@
           <a:bodyPr/>
           <a:lstStyle/>
           <a:p>
-            <a:fld id="{6290209C-503C-4F42-9D62-38FCC3384F43}" type="datetimeFigureOut">
+            <a:fld id="{C165B47B-76AA-4E39-8519-802E474A55E5}" type="datetime1">
               <a:rPr lang="en-US" smtClean="0"/>
-              <a:t>9/8/2021</a:t>
+              <a:t>9/15/2021</a:t>
             </a:fld>
             <a:endParaRPr lang="en-US"/>
           </a:p>
@@ -1988,6 +2427,10 @@
           <a:bodyPr/>
           <a:lstStyle/>
           <a:p>
+            <a:r>
+              <a:rPr lang="sv-SE"/>
+              <a:t>Dr. Nike Dattani, MATH 135, Fall 2021</a:t>
+            </a:r>
             <a:endParaRPr lang="en-US"/>
           </a:p>
         </p:txBody>
@@ -2008,7 +2451,15 @@
             <p:ph type="sldNum" sz="quarter" idx="12"/>
           </p:nvPr>
         </p:nvSpPr>
-        <p:spPr/>
+        <p:spPr>
+          <a:xfrm>
+            <a:off x="8610600" y="6356350"/>
+            <a:ext cx="2743200" cy="365125"/>
+          </a:xfrm>
+          <a:prstGeom prst="rect">
+            <a:avLst/>
+          </a:prstGeom>
+        </p:spPr>
         <p:txBody>
           <a:bodyPr/>
           <a:lstStyle/>
@@ -2072,9 +2523,9 @@
           <a:bodyPr/>
           <a:lstStyle/>
           <a:p>
-            <a:fld id="{6290209C-503C-4F42-9D62-38FCC3384F43}" type="datetimeFigureOut">
+            <a:fld id="{30479B8A-BD43-4509-9CD0-FB25393A7987}" type="datetime1">
               <a:rPr lang="en-US" smtClean="0"/>
-              <a:t>9/8/2021</a:t>
+              <a:t>9/15/2021</a:t>
             </a:fld>
             <a:endParaRPr lang="en-US"/>
           </a:p>
@@ -2101,6 +2552,10 @@
           <a:bodyPr/>
           <a:lstStyle/>
           <a:p>
+            <a:r>
+              <a:rPr lang="sv-SE"/>
+              <a:t>Dr. Nike Dattani, MATH 135, Fall 2021</a:t>
+            </a:r>
             <a:endParaRPr lang="en-US"/>
           </a:p>
         </p:txBody>
@@ -2121,7 +2576,15 @@
             <p:ph type="sldNum" sz="quarter" idx="12"/>
           </p:nvPr>
         </p:nvSpPr>
-        <p:spPr/>
+        <p:spPr>
+          <a:xfrm>
+            <a:off x="8610600" y="6356350"/>
+            <a:ext cx="2743200" cy="365125"/>
+          </a:xfrm>
+          <a:prstGeom prst="rect">
+            <a:avLst/>
+          </a:prstGeom>
+        </p:spPr>
         <p:txBody>
           <a:bodyPr/>
           <a:lstStyle/>
@@ -2383,9 +2846,9 @@
           <a:bodyPr/>
           <a:lstStyle/>
           <a:p>
-            <a:fld id="{6290209C-503C-4F42-9D62-38FCC3384F43}" type="datetimeFigureOut">
+            <a:fld id="{CF66258A-1F85-4467-AD43-2E5D48FB905E}" type="datetime1">
               <a:rPr lang="en-US" smtClean="0"/>
-              <a:t>9/8/2021</a:t>
+              <a:t>9/15/2021</a:t>
             </a:fld>
             <a:endParaRPr lang="en-US"/>
           </a:p>
@@ -2412,6 +2875,10 @@
           <a:bodyPr/>
           <a:lstStyle/>
           <a:p>
+            <a:r>
+              <a:rPr lang="sv-SE"/>
+              <a:t>Dr. Nike Dattani, MATH 135, Fall 2021</a:t>
+            </a:r>
             <a:endParaRPr lang="en-US"/>
           </a:p>
         </p:txBody>
@@ -2432,7 +2899,15 @@
             <p:ph type="sldNum" sz="quarter" idx="12"/>
           </p:nvPr>
         </p:nvSpPr>
-        <p:spPr/>
+        <p:spPr>
+          <a:xfrm>
+            <a:off x="8610600" y="6356350"/>
+            <a:ext cx="2743200" cy="365125"/>
+          </a:xfrm>
+          <a:prstGeom prst="rect">
+            <a:avLst/>
+          </a:prstGeom>
+        </p:spPr>
         <p:txBody>
           <a:bodyPr/>
           <a:lstStyle/>
@@ -2671,9 +3146,9 @@
           <a:bodyPr/>
           <a:lstStyle/>
           <a:p>
-            <a:fld id="{6290209C-503C-4F42-9D62-38FCC3384F43}" type="datetimeFigureOut">
+            <a:fld id="{1754B06C-2AE6-450E-9F74-97CB611DBE40}" type="datetime1">
               <a:rPr lang="en-US" smtClean="0"/>
-              <a:t>9/8/2021</a:t>
+              <a:t>9/15/2021</a:t>
             </a:fld>
             <a:endParaRPr lang="en-US"/>
           </a:p>
@@ -2700,6 +3175,10 @@
           <a:bodyPr/>
           <a:lstStyle/>
           <a:p>
+            <a:r>
+              <a:rPr lang="sv-SE"/>
+              <a:t>Dr. Nike Dattani, MATH 135, Fall 2021</a:t>
+            </a:r>
             <a:endParaRPr lang="en-US"/>
           </a:p>
         </p:txBody>
@@ -2720,7 +3199,15 @@
             <p:ph type="sldNum" sz="quarter" idx="12"/>
           </p:nvPr>
         </p:nvSpPr>
-        <p:spPr/>
+        <p:spPr>
+          <a:xfrm>
+            <a:off x="8610600" y="6356350"/>
+            <a:ext cx="2743200" cy="365125"/>
+          </a:xfrm>
+          <a:prstGeom prst="rect">
+            <a:avLst/>
+          </a:prstGeom>
+        </p:spPr>
         <p:txBody>
           <a:bodyPr/>
           <a:lstStyle/>
@@ -2912,9 +3399,9 @@
             </a:lvl1pPr>
           </a:lstStyle>
           <a:p>
-            <a:fld id="{6290209C-503C-4F42-9D62-38FCC3384F43}" type="datetimeFigureOut">
+            <a:fld id="{147FBCA2-6ECE-4B91-B5DF-BC18460EB41C}" type="datetime1">
               <a:rPr lang="en-US" smtClean="0"/>
-              <a:t>9/8/2021</a:t>
+              <a:t>9/15/2021</a:t>
             </a:fld>
             <a:endParaRPr lang="en-US"/>
           </a:p>
@@ -2938,7 +3425,7 @@
         </p:nvSpPr>
         <p:spPr>
           <a:xfrm>
-            <a:off x="4038600" y="6356350"/>
+            <a:off x="8930640" y="6548056"/>
             <a:ext cx="4114800" cy="365125"/>
           </a:xfrm>
           <a:prstGeom prst="rect">
@@ -2959,53 +3446,10 @@
             </a:lvl1pPr>
           </a:lstStyle>
           <a:p>
-            <a:endParaRPr lang="en-US"/>
-          </a:p>
-        </p:txBody>
-      </p:sp>
-      <p:sp>
-        <p:nvSpPr>
-          <p:cNvPr id="6" name="Slide Number Placeholder 5">
-            <a:extLst>
-              <a:ext uri="{FF2B5EF4-FFF2-40B4-BE49-F238E27FC236}">
-                <a16:creationId xmlns:a16="http://schemas.microsoft.com/office/drawing/2014/main" id="{6F0ACC64-5367-46C2-8738-8CCF3FC89130}"/>
-              </a:ext>
-            </a:extLst>
-          </p:cNvPr>
-          <p:cNvSpPr>
-            <a:spLocks noGrp="1"/>
-          </p:cNvSpPr>
-          <p:nvPr>
-            <p:ph type="sldNum" sz="quarter" idx="4"/>
-          </p:nvPr>
-        </p:nvSpPr>
-        <p:spPr>
-          <a:xfrm>
-            <a:off x="8610600" y="6356350"/>
-            <a:ext cx="2743200" cy="365125"/>
-          </a:xfrm>
-          <a:prstGeom prst="rect">
-            <a:avLst/>
-          </a:prstGeom>
-        </p:spPr>
-        <p:txBody>
-          <a:bodyPr vert="horz" lIns="91440" tIns="45720" rIns="91440" bIns="45720" rtlCol="0" anchor="ctr"/>
-          <a:lstStyle>
-            <a:lvl1pPr algn="r">
-              <a:defRPr sz="1200">
-                <a:solidFill>
-                  <a:schemeClr val="tx1">
-                    <a:tint val="75000"/>
-                  </a:schemeClr>
-                </a:solidFill>
-              </a:defRPr>
-            </a:lvl1pPr>
-          </a:lstStyle>
-          <a:p>
-            <a:fld id="{F76B1B54-9536-4654-B658-6C9F83E3D8D2}" type="slidenum">
-              <a:rPr lang="en-US" smtClean="0"/>
-              <a:t>‹#›</a:t>
-            </a:fld>
+            <a:r>
+              <a:rPr lang="sv-SE"/>
+              <a:t>Dr. Nike Dattani, MATH 135, Fall 2021</a:t>
+            </a:r>
             <a:endParaRPr lang="en-US"/>
           </a:p>
         </p:txBody>
@@ -3031,6 +3475,7 @@
     <p:sldLayoutId id="2147483658" r:id="rId10"/>
     <p:sldLayoutId id="2147483659" r:id="rId11"/>
   </p:sldLayoutIdLst>
+  <p:hf sldNum="0" hdr="0" dt="0"/>
   <p:txStyles>
     <p:titleStyle>
       <a:lvl1pPr algn="l" defTabSz="914400" rtl="0" eaLnBrk="1" latinLnBrk="0" hangingPunct="1">
@@ -3349,7 +3794,7 @@
         </p:nvSpPr>
         <p:spPr>
           <a:xfrm>
-            <a:off x="366318" y="427839"/>
+            <a:off x="859871" y="409367"/>
             <a:ext cx="10472257" cy="3236053"/>
           </a:xfrm>
         </p:spPr>
@@ -3398,7 +3843,7 @@
         </p:nvSpPr>
         <p:spPr>
           <a:xfrm>
-            <a:off x="1030446" y="4516438"/>
+            <a:off x="1427602" y="4119275"/>
             <a:ext cx="9144000" cy="1655762"/>
           </a:xfrm>
         </p:spPr>
@@ -7191,7 +7636,7 @@
             </a:pPr>
             <a:r>
               <a:rPr lang="en-US" dirty="0"/>
-              <a:t>How many of have done proofs before?</a:t>
+              <a:t>How many of you have done proofs before?</a:t>
             </a:r>
           </a:p>
           <a:p>
@@ -7304,6 +7749,35 @@
           <a:p>
             <a:pPr lvl="1"/>
             <a:endParaRPr lang="en-US" dirty="0"/>
+          </a:p>
+        </p:txBody>
+      </p:sp>
+      <p:sp>
+        <p:nvSpPr>
+          <p:cNvPr id="5" name="Footer Placeholder 4">
+            <a:extLst>
+              <a:ext uri="{FF2B5EF4-FFF2-40B4-BE49-F238E27FC236}">
+                <a16:creationId xmlns:a16="http://schemas.microsoft.com/office/drawing/2014/main" id="{F4F2384E-F099-4FE6-921A-8A34686BAEB9}"/>
+              </a:ext>
+            </a:extLst>
+          </p:cNvPr>
+          <p:cNvSpPr>
+            <a:spLocks noGrp="1"/>
+          </p:cNvSpPr>
+          <p:nvPr>
+            <p:ph type="ftr" sz="quarter" idx="11"/>
+          </p:nvPr>
+        </p:nvSpPr>
+        <p:spPr/>
+        <p:txBody>
+          <a:bodyPr/>
+          <a:lstStyle/>
+          <a:p>
+            <a:r>
+              <a:rPr lang="sv-SE"/>
+              <a:t>Dr. Nike Dattani, MATH 135, Fall 2021</a:t>
+            </a:r>
+            <a:endParaRPr lang="en-US"/>
           </a:p>
         </p:txBody>
       </p:sp>
@@ -7748,8 +8222,8 @@
         </p:nvSpPr>
         <p:spPr>
           <a:xfrm>
-            <a:off x="247475" y="679509"/>
-            <a:ext cx="11697050" cy="5909310"/>
+            <a:off x="36949" y="449873"/>
+            <a:ext cx="12099635" cy="6463308"/>
           </a:xfrm>
           <a:prstGeom prst="rect">
             <a:avLst/>
@@ -7792,7 +8266,7 @@
             </a:pPr>
             <a:r>
               <a:rPr lang="en-US" dirty="0"/>
-              <a:t>There exists / There does not exist</a:t>
+              <a:t>There exists </a:t>
             </a:r>
           </a:p>
           <a:p>
@@ -7802,17 +8276,7 @@
             </a:pPr>
             <a:r>
               <a:rPr lang="en-US" dirty="0"/>
-              <a:t>Such that</a:t>
-            </a:r>
-          </a:p>
-          <a:p>
-            <a:pPr marL="285750" indent="-285750">
-              <a:buFont typeface="Arial" panose="020B0604020202020204" pitchFamily="34" charset="0"/>
-              <a:buChar char="•"/>
-            </a:pPr>
-            <a:r>
-              <a:rPr lang="en-US" dirty="0"/>
-              <a:t>“Is an element of…” / “Is not an element of…”</a:t>
+              <a:t>Is an element of…</a:t>
             </a:r>
           </a:p>
           <a:p>
@@ -7881,6 +8345,42 @@
             </a:r>
           </a:p>
           <a:p>
+            <a:pPr marL="742950" lvl="1" indent="-285750">
+              <a:buFont typeface="Arial" panose="020B0604020202020204" pitchFamily="34" charset="0"/>
+              <a:buChar char="•"/>
+            </a:pPr>
+            <a:r>
+              <a:rPr lang="en-US" dirty="0"/>
+              <a:t>Example:  Given S and P(x),  ∀ x ∈ S,  P(x).</a:t>
+            </a:r>
+          </a:p>
+          <a:p>
+            <a:pPr marL="742950" lvl="1" indent="-285750">
+              <a:buFont typeface="Arial" panose="020B0604020202020204" pitchFamily="34" charset="0"/>
+              <a:buChar char="•"/>
+            </a:pPr>
+            <a:r>
+              <a:rPr lang="en-US" dirty="0"/>
+              <a:t>What are the pieces in this example?</a:t>
+            </a:r>
+            <a:endParaRPr lang="en-US" dirty="0">
+              <a:solidFill>
+                <a:srgbClr val="FF0000"/>
+              </a:solidFill>
+            </a:endParaRPr>
+          </a:p>
+          <a:p>
+            <a:pPr marL="285750" indent="-285750">
+              <a:buFont typeface="Arial" panose="020B0604020202020204" pitchFamily="34" charset="0"/>
+              <a:buChar char="•"/>
+            </a:pPr>
+            <a:endParaRPr lang="en-US" dirty="0">
+              <a:solidFill>
+                <a:srgbClr val="FF0000"/>
+              </a:solidFill>
+            </a:endParaRPr>
+          </a:p>
+          <a:p>
             <a:pPr marL="285750" indent="-285750">
               <a:buFont typeface="Arial" panose="020B0604020202020204" pitchFamily="34" charset="0"/>
               <a:buChar char="•"/>
@@ -7891,7 +8391,23 @@
                   <a:srgbClr val="FF0000"/>
                 </a:solidFill>
               </a:rPr>
-              <a:t>Open sentence: sentence containing a variable, where truth of the sentence is determined by the value of the variable</a:t>
+              <a:t>Open sentence: sentence containing an unknown, </a:t>
+            </a:r>
+            <a:r>
+              <a:rPr lang="en-US" dirty="0" err="1">
+                <a:solidFill>
+                  <a:srgbClr val="FF0000"/>
+                </a:solidFill>
+              </a:rPr>
+              <a:t>s.t.</a:t>
+            </a:r>
+            <a:r>
+              <a:rPr lang="en-US" dirty="0">
+                <a:solidFill>
+                  <a:srgbClr val="FF0000"/>
+                </a:solidFill>
+              </a:rPr>
+              <a:t> we don’t know if it’s true or false until specification of the unknown</a:t>
             </a:r>
           </a:p>
           <a:p>
@@ -7931,7 +8447,7 @@
             </a:pPr>
             <a:r>
               <a:rPr lang="en-US" dirty="0"/>
-              <a:t>Example:   ∀ x ∈ S,  P(x).</a:t>
+              <a:t>“∀ x ∈ S,  P(x)” is open in S and P(x) because without knowing them, we can’t say whether the sentence is T or F.</a:t>
             </a:r>
             <a:endParaRPr lang="en-US" dirty="0">
               <a:solidFill>
@@ -7987,6 +8503,35 @@
           <a:p>
             <a:pPr lvl="1"/>
             <a:endParaRPr lang="en-US" dirty="0"/>
+          </a:p>
+        </p:txBody>
+      </p:sp>
+      <p:sp>
+        <p:nvSpPr>
+          <p:cNvPr id="5" name="Footer Placeholder 4">
+            <a:extLst>
+              <a:ext uri="{FF2B5EF4-FFF2-40B4-BE49-F238E27FC236}">
+                <a16:creationId xmlns:a16="http://schemas.microsoft.com/office/drawing/2014/main" id="{5B156C95-AF11-4040-B963-38F3924DE03A}"/>
+              </a:ext>
+            </a:extLst>
+          </p:cNvPr>
+          <p:cNvSpPr>
+            <a:spLocks noGrp="1"/>
+          </p:cNvSpPr>
+          <p:nvPr>
+            <p:ph type="ftr" sz="quarter" idx="11"/>
+          </p:nvPr>
+        </p:nvSpPr>
+        <p:spPr/>
+        <p:txBody>
+          <a:bodyPr/>
+          <a:lstStyle/>
+          <a:p>
+            <a:r>
+              <a:rPr lang="sv-SE"/>
+              <a:t>Dr. Nike Dattani, MATH 135, Fall 2021</a:t>
+            </a:r>
+            <a:endParaRPr lang="en-US"/>
           </a:p>
         </p:txBody>
       </p:sp>
@@ -8036,7 +8581,7 @@
                                         <p:tgtEl>
                                           <p:spTgt spid="4">
                                             <p:txEl>
-                                              <p:pRg st="7" end="7"/>
+                                              <p:pRg st="6" end="6"/>
                                             </p:txEl>
                                           </p:spTgt>
                                         </p:tgtEl>
@@ -8067,7 +8612,7 @@
                                         <p:tgtEl>
                                           <p:spTgt spid="4">
                                             <p:txEl>
-                                              <p:pRg st="8" end="8"/>
+                                              <p:pRg st="7" end="7"/>
                                             </p:txEl>
                                           </p:spTgt>
                                         </p:tgtEl>
@@ -8116,7 +8661,7 @@
                                         <p:tgtEl>
                                           <p:spTgt spid="4">
                                             <p:txEl>
-                                              <p:pRg st="10" end="10"/>
+                                              <p:pRg st="9" end="9"/>
                                             </p:txEl>
                                           </p:spTgt>
                                         </p:tgtEl>
@@ -8165,7 +8710,7 @@
                                         <p:tgtEl>
                                           <p:spTgt spid="4">
                                             <p:txEl>
-                                              <p:pRg st="12" end="12"/>
+                                              <p:pRg st="11" end="11"/>
                                             </p:txEl>
                                           </p:spTgt>
                                         </p:tgtEl>
@@ -8214,7 +8759,7 @@
                                         <p:tgtEl>
                                           <p:spTgt spid="4">
                                             <p:txEl>
-                                              <p:pRg st="13" end="13"/>
+                                              <p:pRg st="12" end="12"/>
                                             </p:txEl>
                                           </p:spTgt>
                                         </p:tgtEl>
@@ -8263,7 +8808,7 @@
                                         <p:tgtEl>
                                           <p:spTgt spid="4">
                                             <p:txEl>
-                                              <p:pRg st="14" end="14"/>
+                                              <p:pRg st="13" end="13"/>
                                             </p:txEl>
                                           </p:spTgt>
                                         </p:tgtEl>
@@ -8361,6 +8906,55 @@
                                         <p:tgtEl>
                                           <p:spTgt spid="4">
                                             <p:txEl>
+                                              <p:pRg st="16" end="16"/>
+                                            </p:txEl>
+                                          </p:spTgt>
+                                        </p:tgtEl>
+                                        <p:attrNameLst>
+                                          <p:attrName>style.visibility</p:attrName>
+                                        </p:attrNameLst>
+                                      </p:cBhvr>
+                                      <p:to>
+                                        <p:strVal val="visible"/>
+                                      </p:to>
+                                    </p:set>
+                                  </p:childTnLst>
+                                </p:cTn>
+                              </p:par>
+                            </p:childTnLst>
+                          </p:cTn>
+                        </p:par>
+                      </p:childTnLst>
+                    </p:cTn>
+                  </p:par>
+                  <p:par>
+                    <p:cTn id="33" fill="hold">
+                      <p:stCondLst>
+                        <p:cond delay="indefinite"/>
+                      </p:stCondLst>
+                      <p:childTnLst>
+                        <p:par>
+                          <p:cTn id="34" fill="hold">
+                            <p:stCondLst>
+                              <p:cond delay="0"/>
+                            </p:stCondLst>
+                            <p:childTnLst>
+                              <p:par>
+                                <p:cTn id="35" presetID="1" presetClass="entr" presetSubtype="0" fill="hold" nodeType="clickEffect">
+                                  <p:stCondLst>
+                                    <p:cond delay="0"/>
+                                  </p:stCondLst>
+                                  <p:childTnLst>
+                                    <p:set>
+                                      <p:cBhvr>
+                                        <p:cTn id="36" dur="1" fill="hold">
+                                          <p:stCondLst>
+                                            <p:cond delay="0"/>
+                                          </p:stCondLst>
+                                        </p:cTn>
+                                        <p:tgtEl>
+                                          <p:spTgt spid="4">
+                                            <p:txEl>
                                               <p:pRg st="17" end="17"/>
                                             </p:txEl>
                                           </p:spTgt>
@@ -8376,15 +8970,33 @@
                                   </p:childTnLst>
                                 </p:cTn>
                               </p:par>
+                            </p:childTnLst>
+                          </p:cTn>
+                        </p:par>
+                      </p:childTnLst>
+                    </p:cTn>
+                  </p:par>
+                  <p:par>
+                    <p:cTn id="37" fill="hold">
+                      <p:stCondLst>
+                        <p:cond delay="indefinite"/>
+                      </p:stCondLst>
+                      <p:childTnLst>
+                        <p:par>
+                          <p:cTn id="38" fill="hold">
+                            <p:stCondLst>
+                              <p:cond delay="0"/>
+                            </p:stCondLst>
+                            <p:childTnLst>
                               <p:par>
-                                <p:cTn id="33" presetID="1" presetClass="entr" presetSubtype="0" fill="hold" nodeType="withEffect">
+                                <p:cTn id="39" presetID="1" presetClass="entr" presetSubtype="0" fill="hold" nodeType="clickEffect">
                                   <p:stCondLst>
                                     <p:cond delay="0"/>
                                   </p:stCondLst>
                                   <p:childTnLst>
                                     <p:set>
                                       <p:cBhvr>
-                                        <p:cTn id="34" dur="1" fill="hold">
+                                        <p:cTn id="40" dur="1" fill="hold">
                                           <p:stCondLst>
                                             <p:cond delay="0"/>
                                           </p:stCondLst>
@@ -8392,7 +9004,7 @@
                                         <p:tgtEl>
                                           <p:spTgt spid="4">
                                             <p:txEl>
-                                              <p:pRg st="18" end="18"/>
+                                              <p:pRg st="19" end="19"/>
                                             </p:txEl>
                                           </p:spTgt>
                                         </p:tgtEl>
@@ -8408,14 +9020,14 @@
                                 </p:cTn>
                               </p:par>
                               <p:par>
-                                <p:cTn id="35" presetID="1" presetClass="entr" presetSubtype="0" fill="hold" nodeType="withEffect">
+                                <p:cTn id="41" presetID="1" presetClass="entr" presetSubtype="0" fill="hold" nodeType="withEffect">
                                   <p:stCondLst>
                                     <p:cond delay="0"/>
                                   </p:stCondLst>
                                   <p:childTnLst>
                                     <p:set>
                                       <p:cBhvr>
-                                        <p:cTn id="36" dur="1" fill="hold">
+                                        <p:cTn id="42" dur="1" fill="hold">
                                           <p:stCondLst>
                                             <p:cond delay="0"/>
                                           </p:stCondLst>
@@ -8423,7 +9035,38 @@
                                         <p:tgtEl>
                                           <p:spTgt spid="4">
                                             <p:txEl>
-                                              <p:pRg st="19" end="19"/>
+                                              <p:pRg st="20" end="20"/>
+                                            </p:txEl>
+                                          </p:spTgt>
+                                        </p:tgtEl>
+                                        <p:attrNameLst>
+                                          <p:attrName>style.visibility</p:attrName>
+                                        </p:attrNameLst>
+                                      </p:cBhvr>
+                                      <p:to>
+                                        <p:strVal val="visible"/>
+                                      </p:to>
+                                    </p:set>
+                                  </p:childTnLst>
+                                </p:cTn>
+                              </p:par>
+                              <p:par>
+                                <p:cTn id="43" presetID="1" presetClass="entr" presetSubtype="0" fill="hold" nodeType="withEffect">
+                                  <p:stCondLst>
+                                    <p:cond delay="0"/>
+                                  </p:stCondLst>
+                                  <p:childTnLst>
+                                    <p:set>
+                                      <p:cBhvr>
+                                        <p:cTn id="44" dur="1" fill="hold">
+                                          <p:stCondLst>
+                                            <p:cond delay="0"/>
+                                          </p:stCondLst>
+                                        </p:cTn>
+                                        <p:tgtEl>
+                                          <p:spTgt spid="4">
+                                            <p:txEl>
+                                              <p:pRg st="21" end="21"/>
                                             </p:txEl>
                                           </p:spTgt>
                                         </p:tgtEl>
@@ -8762,4 +9405,299 @@
     </a:ext>
   </a:extLst>
 </a:theme>
+</file>
+
+<file path=ppt/theme/theme2.xml><?xml version="1.0" encoding="utf-8"?>
+<a:theme xmlns:a="http://schemas.openxmlformats.org/drawingml/2006/main" name="Office Theme">
+  <a:themeElements>
+    <a:clrScheme name="Office">
+      <a:dk1>
+        <a:sysClr val="windowText" lastClr="000000"/>
+      </a:dk1>
+      <a:lt1>
+        <a:sysClr val="window" lastClr="FFFFFF"/>
+      </a:lt1>
+      <a:dk2>
+        <a:srgbClr val="44546A"/>
+      </a:dk2>
+      <a:lt2>
+        <a:srgbClr val="E7E6E6"/>
+      </a:lt2>
+      <a:accent1>
+        <a:srgbClr val="4472C4"/>
+      </a:accent1>
+      <a:accent2>
+        <a:srgbClr val="ED7D31"/>
+      </a:accent2>
+      <a:accent3>
+        <a:srgbClr val="A5A5A5"/>
+      </a:accent3>
+      <a:accent4>
+        <a:srgbClr val="FFC000"/>
+      </a:accent4>
+      <a:accent5>
+        <a:srgbClr val="5B9BD5"/>
+      </a:accent5>
+      <a:accent6>
+        <a:srgbClr val="70AD47"/>
+      </a:accent6>
+      <a:hlink>
+        <a:srgbClr val="0563C1"/>
+      </a:hlink>
+      <a:folHlink>
+        <a:srgbClr val="954F72"/>
+      </a:folHlink>
+    </a:clrScheme>
+    <a:fontScheme name="Office">
+      <a:majorFont>
+        <a:latin typeface="Calibri Light" panose="020F0302020204030204"/>
+        <a:ea typeface=""/>
+        <a:cs typeface=""/>
+        <a:font script="Jpan" typeface="游ゴシック Light"/>
+        <a:font script="Hang" typeface="맑은 고딕"/>
+        <a:font script="Hans" typeface="等线 Light"/>
+        <a:font script="Hant" typeface="新細明體"/>
+        <a:font script="Arab" typeface="Times New Roman"/>
+        <a:font script="Hebr" typeface="Times New Roman"/>
+        <a:font script="Thai" typeface="Angsana New"/>
+        <a:font script="Ethi" typeface="Nyala"/>
+        <a:font script="Beng" typeface="Vrinda"/>
+        <a:font script="Gujr" typeface="Shruti"/>
+        <a:font script="Khmr" typeface="MoolBoran"/>
+        <a:font script="Knda" typeface="Tunga"/>
+        <a:font script="Guru" typeface="Raavi"/>
+        <a:font script="Cans" typeface="Euphemia"/>
+        <a:font script="Cher" typeface="Plantagenet Cherokee"/>
+        <a:font script="Yiii" typeface="Microsoft Yi Baiti"/>
+        <a:font script="Tibt" typeface="Microsoft Himalaya"/>
+        <a:font script="Thaa" typeface="MV Boli"/>
+        <a:font script="Deva" typeface="Mangal"/>
+        <a:font script="Telu" typeface="Gautami"/>
+        <a:font script="Taml" typeface="Latha"/>
+        <a:font script="Syrc" typeface="Estrangelo Edessa"/>
+        <a:font script="Orya" typeface="Kalinga"/>
+        <a:font script="Mlym" typeface="Kartika"/>
+        <a:font script="Laoo" typeface="DokChampa"/>
+        <a:font script="Sinh" typeface="Iskoola Pota"/>
+        <a:font script="Mong" typeface="Mongolian Baiti"/>
+        <a:font script="Viet" typeface="Times New Roman"/>
+        <a:font script="Uigh" typeface="Microsoft Uighur"/>
+        <a:font script="Geor" typeface="Sylfaen"/>
+        <a:font script="Armn" typeface="Arial"/>
+        <a:font script="Bugi" typeface="Leelawadee UI"/>
+        <a:font script="Bopo" typeface="Microsoft JhengHei"/>
+        <a:font script="Java" typeface="Javanese Text"/>
+        <a:font script="Lisu" typeface="Segoe UI"/>
+        <a:font script="Mymr" typeface="Myanmar Text"/>
+        <a:font script="Nkoo" typeface="Ebrima"/>
+        <a:font script="Olck" typeface="Nirmala UI"/>
+        <a:font script="Osma" typeface="Ebrima"/>
+        <a:font script="Phag" typeface="Phagspa"/>
+        <a:font script="Syrn" typeface="Estrangelo Edessa"/>
+        <a:font script="Syrj" typeface="Estrangelo Edessa"/>
+        <a:font script="Syre" typeface="Estrangelo Edessa"/>
+        <a:font script="Sora" typeface="Nirmala UI"/>
+        <a:font script="Tale" typeface="Microsoft Tai Le"/>
+        <a:font script="Talu" typeface="Microsoft New Tai Lue"/>
+        <a:font script="Tfng" typeface="Ebrima"/>
+      </a:majorFont>
+      <a:minorFont>
+        <a:latin typeface="Calibri" panose="020F0502020204030204"/>
+        <a:ea typeface=""/>
+        <a:cs typeface=""/>
+        <a:font script="Jpan" typeface="游ゴシック"/>
+        <a:font script="Hang" typeface="맑은 고딕"/>
+        <a:font script="Hans" typeface="等线"/>
+        <a:font script="Hant" typeface="新細明體"/>
+        <a:font script="Arab" typeface="Arial"/>
+        <a:font script="Hebr" typeface="Arial"/>
+        <a:font script="Thai" typeface="Cordia New"/>
+        <a:font script="Ethi" typeface="Nyala"/>
+        <a:font script="Beng" typeface="Vrinda"/>
+        <a:font script="Gujr" typeface="Shruti"/>
+        <a:font script="Khmr" typeface="DaunPenh"/>
+        <a:font script="Knda" typeface="Tunga"/>
+        <a:font script="Guru" typeface="Raavi"/>
+        <a:font script="Cans" typeface="Euphemia"/>
+        <a:font script="Cher" typeface="Plantagenet Cherokee"/>
+        <a:font script="Yiii" typeface="Microsoft Yi Baiti"/>
+        <a:font script="Tibt" typeface="Microsoft Himalaya"/>
+        <a:font script="Thaa" typeface="MV Boli"/>
+        <a:font script="Deva" typeface="Mangal"/>
+        <a:font script="Telu" typeface="Gautami"/>
+        <a:font script="Taml" typeface="Latha"/>
+        <a:font script="Syrc" typeface="Estrangelo Edessa"/>
+        <a:font script="Orya" typeface="Kalinga"/>
+        <a:font script="Mlym" typeface="Kartika"/>
+        <a:font script="Laoo" typeface="DokChampa"/>
+        <a:font script="Sinh" typeface="Iskoola Pota"/>
+        <a:font script="Mong" typeface="Mongolian Baiti"/>
+        <a:font script="Viet" typeface="Arial"/>
+        <a:font script="Uigh" typeface="Microsoft Uighur"/>
+        <a:font script="Geor" typeface="Sylfaen"/>
+        <a:font script="Armn" typeface="Arial"/>
+        <a:font script="Bugi" typeface="Leelawadee UI"/>
+        <a:font script="Bopo" typeface="Microsoft JhengHei"/>
+        <a:font script="Java" typeface="Javanese Text"/>
+        <a:font script="Lisu" typeface="Segoe UI"/>
+        <a:font script="Mymr" typeface="Myanmar Text"/>
+        <a:font script="Nkoo" typeface="Ebrima"/>
+        <a:font script="Olck" typeface="Nirmala UI"/>
+        <a:font script="Osma" typeface="Ebrima"/>
+        <a:font script="Phag" typeface="Phagspa"/>
+        <a:font script="Syrn" typeface="Estrangelo Edessa"/>
+        <a:font script="Syrj" typeface="Estrangelo Edessa"/>
+        <a:font script="Syre" typeface="Estrangelo Edessa"/>
+        <a:font script="Sora" typeface="Nirmala UI"/>
+        <a:font script="Tale" typeface="Microsoft Tai Le"/>
+        <a:font script="Talu" typeface="Microsoft New Tai Lue"/>
+        <a:font script="Tfng" typeface="Ebrima"/>
+      </a:minorFont>
+    </a:fontScheme>
+    <a:fmtScheme name="Office">
+      <a:fillStyleLst>
+        <a:solidFill>
+          <a:schemeClr val="phClr"/>
+        </a:solidFill>
+        <a:gradFill rotWithShape="1">
+          <a:gsLst>
+            <a:gs pos="0">
+              <a:schemeClr val="phClr">
+                <a:lumMod val="110000"/>
+                <a:satMod val="105000"/>
+                <a:tint val="67000"/>
+              </a:schemeClr>
+            </a:gs>
+            <a:gs pos="50000">
+              <a:schemeClr val="phClr">
+                <a:lumMod val="105000"/>
+                <a:satMod val="103000"/>
+                <a:tint val="73000"/>
+              </a:schemeClr>
+            </a:gs>
+            <a:gs pos="100000">
+              <a:schemeClr val="phClr">
+                <a:lumMod val="105000"/>
+                <a:satMod val="109000"/>
+                <a:tint val="81000"/>
+              </a:schemeClr>
+            </a:gs>
+          </a:gsLst>
+          <a:lin ang="5400000" scaled="0"/>
+        </a:gradFill>
+        <a:gradFill rotWithShape="1">
+          <a:gsLst>
+            <a:gs pos="0">
+              <a:schemeClr val="phClr">
+                <a:satMod val="103000"/>
+                <a:lumMod val="102000"/>
+                <a:tint val="94000"/>
+              </a:schemeClr>
+            </a:gs>
+            <a:gs pos="50000">
+              <a:schemeClr val="phClr">
+                <a:satMod val="110000"/>
+                <a:lumMod val="100000"/>
+                <a:shade val="100000"/>
+              </a:schemeClr>
+            </a:gs>
+            <a:gs pos="100000">
+              <a:schemeClr val="phClr">
+                <a:lumMod val="99000"/>
+                <a:satMod val="120000"/>
+                <a:shade val="78000"/>
+              </a:schemeClr>
+            </a:gs>
+          </a:gsLst>
+          <a:lin ang="5400000" scaled="0"/>
+        </a:gradFill>
+      </a:fillStyleLst>
+      <a:lnStyleLst>
+        <a:ln w="6350" cap="flat" cmpd="sng" algn="ctr">
+          <a:solidFill>
+            <a:schemeClr val="phClr"/>
+          </a:solidFill>
+          <a:prstDash val="solid"/>
+          <a:miter lim="800000"/>
+        </a:ln>
+        <a:ln w="12700" cap="flat" cmpd="sng" algn="ctr">
+          <a:solidFill>
+            <a:schemeClr val="phClr"/>
+          </a:solidFill>
+          <a:prstDash val="solid"/>
+          <a:miter lim="800000"/>
+        </a:ln>
+        <a:ln w="19050" cap="flat" cmpd="sng" algn="ctr">
+          <a:solidFill>
+            <a:schemeClr val="phClr"/>
+          </a:solidFill>
+          <a:prstDash val="solid"/>
+          <a:miter lim="800000"/>
+        </a:ln>
+      </a:lnStyleLst>
+      <a:effectStyleLst>
+        <a:effectStyle>
+          <a:effectLst/>
+        </a:effectStyle>
+        <a:effectStyle>
+          <a:effectLst/>
+        </a:effectStyle>
+        <a:effectStyle>
+          <a:effectLst>
+            <a:outerShdw blurRad="57150" dist="19050" dir="5400000" algn="ctr" rotWithShape="0">
+              <a:srgbClr val="000000">
+                <a:alpha val="63000"/>
+              </a:srgbClr>
+            </a:outerShdw>
+          </a:effectLst>
+        </a:effectStyle>
+      </a:effectStyleLst>
+      <a:bgFillStyleLst>
+        <a:solidFill>
+          <a:schemeClr val="phClr"/>
+        </a:solidFill>
+        <a:solidFill>
+          <a:schemeClr val="phClr">
+            <a:tint val="95000"/>
+            <a:satMod val="170000"/>
+          </a:schemeClr>
+        </a:solidFill>
+        <a:gradFill rotWithShape="1">
+          <a:gsLst>
+            <a:gs pos="0">
+              <a:schemeClr val="phClr">
+                <a:tint val="93000"/>
+                <a:satMod val="150000"/>
+                <a:shade val="98000"/>
+                <a:lumMod val="102000"/>
+              </a:schemeClr>
+            </a:gs>
+            <a:gs pos="50000">
+              <a:schemeClr val="phClr">
+                <a:tint val="98000"/>
+                <a:satMod val="130000"/>
+                <a:shade val="90000"/>
+                <a:lumMod val="103000"/>
+              </a:schemeClr>
+            </a:gs>
+            <a:gs pos="100000">
+              <a:schemeClr val="phClr">
+                <a:shade val="63000"/>
+                <a:satMod val="120000"/>
+              </a:schemeClr>
+            </a:gs>
+          </a:gsLst>
+          <a:lin ang="5400000" scaled="0"/>
+        </a:gradFill>
+      </a:bgFillStyleLst>
+    </a:fmtScheme>
+  </a:themeElements>
+  <a:objectDefaults/>
+  <a:extraClrSchemeLst/>
+  <a:extLst>
+    <a:ext uri="{05A4C25C-085E-4340-85A3-A5531E510DB2}">
+      <thm15:themeFamily xmlns:thm15="http://schemas.microsoft.com/office/thememl/2012/main" name="Office Theme" id="{62F939B6-93AF-4DB8-9C6B-D6C7DFDC589F}" vid="{4A3C46E8-61CC-4603-A589-7422A47A8E4A}"/>
+    </a:ext>
+  </a:extLst>
+</a:theme>
 </file>